--- a/json_scripts/Molecules_Figures.pptx
+++ b/json_scripts/Molecules_Figures.pptx
@@ -266,7 +266,7 @@
           <a:p>
             <a:fld id="{DEB12F8E-F915-1A4B-822E-B932D383B8B3}" type="datetimeFigureOut">
               <a:rPr lang="en-US" smtClean="0"/>
-              <a:t>10/16/24</a:t>
+              <a:t>3/11/25</a:t>
             </a:fld>
             <a:endParaRPr lang="en-US"/>
           </a:p>
@@ -464,7 +464,7 @@
           <a:p>
             <a:fld id="{DEB12F8E-F915-1A4B-822E-B932D383B8B3}" type="datetimeFigureOut">
               <a:rPr lang="en-US" smtClean="0"/>
-              <a:t>10/16/24</a:t>
+              <a:t>3/11/25</a:t>
             </a:fld>
             <a:endParaRPr lang="en-US"/>
           </a:p>
@@ -672,7 +672,7 @@
           <a:p>
             <a:fld id="{DEB12F8E-F915-1A4B-822E-B932D383B8B3}" type="datetimeFigureOut">
               <a:rPr lang="en-US" smtClean="0"/>
-              <a:t>10/16/24</a:t>
+              <a:t>3/11/25</a:t>
             </a:fld>
             <a:endParaRPr lang="en-US"/>
           </a:p>
@@ -870,7 +870,7 @@
           <a:p>
             <a:fld id="{DEB12F8E-F915-1A4B-822E-B932D383B8B3}" type="datetimeFigureOut">
               <a:rPr lang="en-US" smtClean="0"/>
-              <a:t>10/16/24</a:t>
+              <a:t>3/11/25</a:t>
             </a:fld>
             <a:endParaRPr lang="en-US"/>
           </a:p>
@@ -1145,7 +1145,7 @@
           <a:p>
             <a:fld id="{DEB12F8E-F915-1A4B-822E-B932D383B8B3}" type="datetimeFigureOut">
               <a:rPr lang="en-US" smtClean="0"/>
-              <a:t>10/16/24</a:t>
+              <a:t>3/11/25</a:t>
             </a:fld>
             <a:endParaRPr lang="en-US"/>
           </a:p>
@@ -1410,7 +1410,7 @@
           <a:p>
             <a:fld id="{DEB12F8E-F915-1A4B-822E-B932D383B8B3}" type="datetimeFigureOut">
               <a:rPr lang="en-US" smtClean="0"/>
-              <a:t>10/16/24</a:t>
+              <a:t>3/11/25</a:t>
             </a:fld>
             <a:endParaRPr lang="en-US"/>
           </a:p>
@@ -1822,7 +1822,7 @@
           <a:p>
             <a:fld id="{DEB12F8E-F915-1A4B-822E-B932D383B8B3}" type="datetimeFigureOut">
               <a:rPr lang="en-US" smtClean="0"/>
-              <a:t>10/16/24</a:t>
+              <a:t>3/11/25</a:t>
             </a:fld>
             <a:endParaRPr lang="en-US"/>
           </a:p>
@@ -1963,7 +1963,7 @@
           <a:p>
             <a:fld id="{DEB12F8E-F915-1A4B-822E-B932D383B8B3}" type="datetimeFigureOut">
               <a:rPr lang="en-US" smtClean="0"/>
-              <a:t>10/16/24</a:t>
+              <a:t>3/11/25</a:t>
             </a:fld>
             <a:endParaRPr lang="en-US"/>
           </a:p>
@@ -2076,7 +2076,7 @@
           <a:p>
             <a:fld id="{DEB12F8E-F915-1A4B-822E-B932D383B8B3}" type="datetimeFigureOut">
               <a:rPr lang="en-US" smtClean="0"/>
-              <a:t>10/16/24</a:t>
+              <a:t>3/11/25</a:t>
             </a:fld>
             <a:endParaRPr lang="en-US"/>
           </a:p>
@@ -2387,7 +2387,7 @@
           <a:p>
             <a:fld id="{DEB12F8E-F915-1A4B-822E-B932D383B8B3}" type="datetimeFigureOut">
               <a:rPr lang="en-US" smtClean="0"/>
-              <a:t>10/16/24</a:t>
+              <a:t>3/11/25</a:t>
             </a:fld>
             <a:endParaRPr lang="en-US"/>
           </a:p>
@@ -2675,7 +2675,7 @@
           <a:p>
             <a:fld id="{DEB12F8E-F915-1A4B-822E-B932D383B8B3}" type="datetimeFigureOut">
               <a:rPr lang="en-US" smtClean="0"/>
-              <a:t>10/16/24</a:t>
+              <a:t>3/11/25</a:t>
             </a:fld>
             <a:endParaRPr lang="en-US"/>
           </a:p>
@@ -2916,7 +2916,7 @@
           <a:p>
             <a:fld id="{DEB12F8E-F915-1A4B-822E-B932D383B8B3}" type="datetimeFigureOut">
               <a:rPr lang="en-US" smtClean="0"/>
-              <a:t>10/16/24</a:t>
+              <a:t>3/11/25</a:t>
             </a:fld>
             <a:endParaRPr lang="en-US"/>
           </a:p>
@@ -4942,8 +4942,8 @@
           </a:prstGeom>
         </p:spPr>
       </p:pic>
-      <mc:AlternateContent xmlns:mc="http://schemas.openxmlformats.org/markup-compatibility/2006">
-        <mc:Choice xmlns:a14="http://schemas.microsoft.com/office/drawing/2010/main" Requires="a14">
+      <mc:AlternateContent xmlns:mc="http://schemas.openxmlformats.org/markup-compatibility/2006" xmlns:a14="http://schemas.microsoft.com/office/drawing/2010/main">
+        <mc:Choice Requires="a14">
           <p:sp>
             <p:nvSpPr>
               <p:cNvPr id="3" name="TextBox 2">
@@ -5070,7 +5070,7 @@
             </p:txBody>
           </p:sp>
         </mc:Choice>
-        <mc:Fallback>
+        <mc:Fallback xmlns="">
           <p:sp>
             <p:nvSpPr>
               <p:cNvPr id="3" name="TextBox 2">

--- a/json_scripts/Molecules_Figures.pptx
+++ b/json_scripts/Molecules_Figures.pptx
@@ -7,12 +7,14 @@
   <p:sldIdLst>
     <p:sldId id="256" r:id="rId2"/>
     <p:sldId id="257" r:id="rId3"/>
-    <p:sldId id="258" r:id="rId4"/>
-    <p:sldId id="262" r:id="rId5"/>
-    <p:sldId id="259" r:id="rId6"/>
-    <p:sldId id="261" r:id="rId7"/>
-    <p:sldId id="260" r:id="rId8"/>
-    <p:sldId id="263" r:id="rId9"/>
+    <p:sldId id="264" r:id="rId4"/>
+    <p:sldId id="265" r:id="rId5"/>
+    <p:sldId id="258" r:id="rId6"/>
+    <p:sldId id="262" r:id="rId7"/>
+    <p:sldId id="259" r:id="rId8"/>
+    <p:sldId id="261" r:id="rId9"/>
+    <p:sldId id="260" r:id="rId10"/>
+    <p:sldId id="263" r:id="rId11"/>
   </p:sldIdLst>
   <p:sldSz cx="12192000" cy="6858000"/>
   <p:notesSz cx="6858000" cy="9144000"/>
@@ -266,7 +268,7 @@
           <a:p>
             <a:fld id="{DEB12F8E-F915-1A4B-822E-B932D383B8B3}" type="datetimeFigureOut">
               <a:rPr lang="en-US" smtClean="0"/>
-              <a:t>3/11/25</a:t>
+              <a:t>5/9/25</a:t>
             </a:fld>
             <a:endParaRPr lang="en-US"/>
           </a:p>
@@ -464,7 +466,7 @@
           <a:p>
             <a:fld id="{DEB12F8E-F915-1A4B-822E-B932D383B8B3}" type="datetimeFigureOut">
               <a:rPr lang="en-US" smtClean="0"/>
-              <a:t>3/11/25</a:t>
+              <a:t>5/9/25</a:t>
             </a:fld>
             <a:endParaRPr lang="en-US"/>
           </a:p>
@@ -672,7 +674,7 @@
           <a:p>
             <a:fld id="{DEB12F8E-F915-1A4B-822E-B932D383B8B3}" type="datetimeFigureOut">
               <a:rPr lang="en-US" smtClean="0"/>
-              <a:t>3/11/25</a:t>
+              <a:t>5/9/25</a:t>
             </a:fld>
             <a:endParaRPr lang="en-US"/>
           </a:p>
@@ -870,7 +872,7 @@
           <a:p>
             <a:fld id="{DEB12F8E-F915-1A4B-822E-B932D383B8B3}" type="datetimeFigureOut">
               <a:rPr lang="en-US" smtClean="0"/>
-              <a:t>3/11/25</a:t>
+              <a:t>5/9/25</a:t>
             </a:fld>
             <a:endParaRPr lang="en-US"/>
           </a:p>
@@ -1145,7 +1147,7 @@
           <a:p>
             <a:fld id="{DEB12F8E-F915-1A4B-822E-B932D383B8B3}" type="datetimeFigureOut">
               <a:rPr lang="en-US" smtClean="0"/>
-              <a:t>3/11/25</a:t>
+              <a:t>5/9/25</a:t>
             </a:fld>
             <a:endParaRPr lang="en-US"/>
           </a:p>
@@ -1410,7 +1412,7 @@
           <a:p>
             <a:fld id="{DEB12F8E-F915-1A4B-822E-B932D383B8B3}" type="datetimeFigureOut">
               <a:rPr lang="en-US" smtClean="0"/>
-              <a:t>3/11/25</a:t>
+              <a:t>5/9/25</a:t>
             </a:fld>
             <a:endParaRPr lang="en-US"/>
           </a:p>
@@ -1822,7 +1824,7 @@
           <a:p>
             <a:fld id="{DEB12F8E-F915-1A4B-822E-B932D383B8B3}" type="datetimeFigureOut">
               <a:rPr lang="en-US" smtClean="0"/>
-              <a:t>3/11/25</a:t>
+              <a:t>5/9/25</a:t>
             </a:fld>
             <a:endParaRPr lang="en-US"/>
           </a:p>
@@ -1963,7 +1965,7 @@
           <a:p>
             <a:fld id="{DEB12F8E-F915-1A4B-822E-B932D383B8B3}" type="datetimeFigureOut">
               <a:rPr lang="en-US" smtClean="0"/>
-              <a:t>3/11/25</a:t>
+              <a:t>5/9/25</a:t>
             </a:fld>
             <a:endParaRPr lang="en-US"/>
           </a:p>
@@ -2076,7 +2078,7 @@
           <a:p>
             <a:fld id="{DEB12F8E-F915-1A4B-822E-B932D383B8B3}" type="datetimeFigureOut">
               <a:rPr lang="en-US" smtClean="0"/>
-              <a:t>3/11/25</a:t>
+              <a:t>5/9/25</a:t>
             </a:fld>
             <a:endParaRPr lang="en-US"/>
           </a:p>
@@ -2387,7 +2389,7 @@
           <a:p>
             <a:fld id="{DEB12F8E-F915-1A4B-822E-B932D383B8B3}" type="datetimeFigureOut">
               <a:rPr lang="en-US" smtClean="0"/>
-              <a:t>3/11/25</a:t>
+              <a:t>5/9/25</a:t>
             </a:fld>
             <a:endParaRPr lang="en-US"/>
           </a:p>
@@ -2675,7 +2677,7 @@
           <a:p>
             <a:fld id="{DEB12F8E-F915-1A4B-822E-B932D383B8B3}" type="datetimeFigureOut">
               <a:rPr lang="en-US" smtClean="0"/>
-              <a:t>3/11/25</a:t>
+              <a:t>5/9/25</a:t>
             </a:fld>
             <a:endParaRPr lang="en-US"/>
           </a:p>
@@ -2916,7 +2918,7 @@
           <a:p>
             <a:fld id="{DEB12F8E-F915-1A4B-822E-B932D383B8B3}" type="datetimeFigureOut">
               <a:rPr lang="en-US" smtClean="0"/>
-              <a:t>3/11/25</a:t>
+              <a:t>5/9/25</a:t>
             </a:fld>
             <a:endParaRPr lang="en-US"/>
           </a:p>
@@ -3953,6 +3955,463 @@
 </p:sld>
 </file>
 
+<file path=ppt/slides/slide10.xml><?xml version="1.0" encoding="utf-8"?>
+<p:sld xmlns:a="http://schemas.openxmlformats.org/drawingml/2006/main" xmlns:r="http://schemas.openxmlformats.org/officeDocument/2006/relationships" xmlns:p="http://schemas.openxmlformats.org/presentationml/2006/main">
+  <p:cSld>
+    <p:spTree>
+      <p:nvGrpSpPr>
+        <p:cNvPr id="1" name=""/>
+        <p:cNvGrpSpPr/>
+        <p:nvPr/>
+      </p:nvGrpSpPr>
+      <p:grpSpPr>
+        <a:xfrm>
+          <a:off x="0" y="0"/>
+          <a:ext cx="0" cy="0"/>
+          <a:chOff x="0" y="0"/>
+          <a:chExt cx="0" cy="0"/>
+        </a:xfrm>
+      </p:grpSpPr>
+      <p:pic>
+        <p:nvPicPr>
+          <p:cNvPr id="4" name="Picture 3">
+            <a:extLst>
+              <a:ext uri="{FF2B5EF4-FFF2-40B4-BE49-F238E27FC236}">
+                <a16:creationId xmlns:a16="http://schemas.microsoft.com/office/drawing/2014/main" id="{06764C22-8E62-8968-D498-F6629ED209BE}"/>
+              </a:ext>
+            </a:extLst>
+          </p:cNvPr>
+          <p:cNvPicPr>
+            <a:picLocks noChangeAspect="1"/>
+          </p:cNvPicPr>
+          <p:nvPr/>
+        </p:nvPicPr>
+        <p:blipFill>
+          <a:blip r:embed="rId2"/>
+          <a:stretch>
+            <a:fillRect/>
+          </a:stretch>
+        </p:blipFill>
+        <p:spPr>
+          <a:xfrm>
+            <a:off x="3935083" y="2058950"/>
+            <a:ext cx="1079500" cy="571500"/>
+          </a:xfrm>
+          <a:prstGeom prst="rect">
+            <a:avLst/>
+          </a:prstGeom>
+        </p:spPr>
+      </p:pic>
+      <p:cxnSp>
+        <p:nvCxnSpPr>
+          <p:cNvPr id="5" name="Straight Arrow Connector 4">
+            <a:extLst>
+              <a:ext uri="{FF2B5EF4-FFF2-40B4-BE49-F238E27FC236}">
+                <a16:creationId xmlns:a16="http://schemas.microsoft.com/office/drawing/2014/main" id="{C664C30B-83D9-A666-2674-7C455264CD57}"/>
+              </a:ext>
+            </a:extLst>
+          </p:cNvPr>
+          <p:cNvCxnSpPr>
+            <a:cxnSpLocks/>
+          </p:cNvCxnSpPr>
+          <p:nvPr/>
+        </p:nvCxnSpPr>
+        <p:spPr>
+          <a:xfrm>
+            <a:off x="5135597" y="2344700"/>
+            <a:ext cx="2155371" cy="0"/>
+          </a:xfrm>
+          <a:prstGeom prst="straightConnector1">
+            <a:avLst/>
+          </a:prstGeom>
+          <a:ln w="60325">
+            <a:solidFill>
+              <a:srgbClr val="FF0000"/>
+            </a:solidFill>
+            <a:prstDash val="sysDot"/>
+            <a:tailEnd type="triangle"/>
+          </a:ln>
+        </p:spPr>
+        <p:style>
+          <a:lnRef idx="1">
+            <a:schemeClr val="dk1"/>
+          </a:lnRef>
+          <a:fillRef idx="0">
+            <a:schemeClr val="dk1"/>
+          </a:fillRef>
+          <a:effectRef idx="0">
+            <a:schemeClr val="dk1"/>
+          </a:effectRef>
+          <a:fontRef idx="minor">
+            <a:schemeClr val="tx1"/>
+          </a:fontRef>
+        </p:style>
+      </p:cxnSp>
+      <p:sp>
+        <p:nvSpPr>
+          <p:cNvPr id="6" name="Can 5">
+            <a:extLst>
+              <a:ext uri="{FF2B5EF4-FFF2-40B4-BE49-F238E27FC236}">
+                <a16:creationId xmlns:a16="http://schemas.microsoft.com/office/drawing/2014/main" id="{1208401E-B8B4-1E21-6AE7-0B03CBD2151A}"/>
+              </a:ext>
+            </a:extLst>
+          </p:cNvPr>
+          <p:cNvSpPr/>
+          <p:nvPr/>
+        </p:nvSpPr>
+        <p:spPr>
+          <a:xfrm>
+            <a:off x="4326266" y="3312713"/>
+            <a:ext cx="3630907" cy="447260"/>
+          </a:xfrm>
+          <a:prstGeom prst="can">
+            <a:avLst>
+              <a:gd name="adj" fmla="val 50000"/>
+            </a:avLst>
+          </a:prstGeom>
+          <a:solidFill>
+            <a:schemeClr val="tx1">
+              <a:lumMod val="50000"/>
+              <a:lumOff val="50000"/>
+            </a:schemeClr>
+          </a:solidFill>
+          <a:ln>
+            <a:solidFill>
+              <a:schemeClr val="bg2">
+                <a:lumMod val="90000"/>
+              </a:schemeClr>
+            </a:solidFill>
+          </a:ln>
+        </p:spPr>
+        <p:style>
+          <a:lnRef idx="2">
+            <a:schemeClr val="accent1">
+              <a:shade val="15000"/>
+            </a:schemeClr>
+          </a:lnRef>
+          <a:fillRef idx="1">
+            <a:schemeClr val="accent1"/>
+          </a:fillRef>
+          <a:effectRef idx="0">
+            <a:schemeClr val="accent1"/>
+          </a:effectRef>
+          <a:fontRef idx="minor">
+            <a:schemeClr val="lt1"/>
+          </a:fontRef>
+        </p:style>
+        <p:txBody>
+          <a:bodyPr rtlCol="0" anchor="ctr"/>
+          <a:lstStyle/>
+          <a:p>
+            <a:pPr algn="ctr"/>
+            <a:endParaRPr lang="en-US"/>
+          </a:p>
+        </p:txBody>
+      </p:sp>
+      <p:sp>
+        <p:nvSpPr>
+          <p:cNvPr id="7" name="Can 6">
+            <a:extLst>
+              <a:ext uri="{FF2B5EF4-FFF2-40B4-BE49-F238E27FC236}">
+                <a16:creationId xmlns:a16="http://schemas.microsoft.com/office/drawing/2014/main" id="{EE51D767-4598-98A8-84D2-C5DD91737AE7}"/>
+              </a:ext>
+            </a:extLst>
+          </p:cNvPr>
+          <p:cNvSpPr/>
+          <p:nvPr/>
+        </p:nvSpPr>
+        <p:spPr>
+          <a:xfrm>
+            <a:off x="4326266" y="922352"/>
+            <a:ext cx="3539467" cy="447260"/>
+          </a:xfrm>
+          <a:prstGeom prst="can">
+            <a:avLst>
+              <a:gd name="adj" fmla="val 50000"/>
+            </a:avLst>
+          </a:prstGeom>
+          <a:solidFill>
+            <a:schemeClr val="tx1">
+              <a:lumMod val="50000"/>
+              <a:lumOff val="50000"/>
+            </a:schemeClr>
+          </a:solidFill>
+          <a:ln>
+            <a:solidFill>
+              <a:schemeClr val="bg2">
+                <a:lumMod val="90000"/>
+              </a:schemeClr>
+            </a:solidFill>
+          </a:ln>
+        </p:spPr>
+        <p:style>
+          <a:lnRef idx="2">
+            <a:schemeClr val="accent1">
+              <a:shade val="15000"/>
+            </a:schemeClr>
+          </a:lnRef>
+          <a:fillRef idx="1">
+            <a:schemeClr val="accent1"/>
+          </a:fillRef>
+          <a:effectRef idx="0">
+            <a:schemeClr val="accent1"/>
+          </a:effectRef>
+          <a:fontRef idx="minor">
+            <a:schemeClr val="lt1"/>
+          </a:fontRef>
+        </p:style>
+        <p:txBody>
+          <a:bodyPr rtlCol="0" anchor="ctr"/>
+          <a:lstStyle/>
+          <a:p>
+            <a:pPr algn="ctr"/>
+            <a:endParaRPr lang="en-US"/>
+          </a:p>
+        </p:txBody>
+      </p:sp>
+      <p:pic>
+        <p:nvPicPr>
+          <p:cNvPr id="9" name="Picture 8">
+            <a:extLst>
+              <a:ext uri="{FF2B5EF4-FFF2-40B4-BE49-F238E27FC236}">
+                <a16:creationId xmlns:a16="http://schemas.microsoft.com/office/drawing/2014/main" id="{BDACA6DE-FC48-0005-E22D-18C877E5DB0D}"/>
+              </a:ext>
+            </a:extLst>
+          </p:cNvPr>
+          <p:cNvPicPr>
+            <a:picLocks noChangeAspect="1"/>
+          </p:cNvPicPr>
+          <p:nvPr/>
+        </p:nvPicPr>
+        <p:blipFill>
+          <a:blip r:embed="rId3"/>
+          <a:stretch>
+            <a:fillRect/>
+          </a:stretch>
+        </p:blipFill>
+        <p:spPr>
+          <a:xfrm>
+            <a:off x="3058207" y="2626385"/>
+            <a:ext cx="876876" cy="1088172"/>
+          </a:xfrm>
+          <a:prstGeom prst="rect">
+            <a:avLst/>
+          </a:prstGeom>
+        </p:spPr>
+      </p:pic>
+      <p:cxnSp>
+        <p:nvCxnSpPr>
+          <p:cNvPr id="10" name="Straight Arrow Connector 9">
+            <a:extLst>
+              <a:ext uri="{FF2B5EF4-FFF2-40B4-BE49-F238E27FC236}">
+                <a16:creationId xmlns:a16="http://schemas.microsoft.com/office/drawing/2014/main" id="{5CBA1778-472C-BB17-9C17-09B02F3B6F09}"/>
+              </a:ext>
+            </a:extLst>
+          </p:cNvPr>
+          <p:cNvCxnSpPr>
+            <a:cxnSpLocks/>
+          </p:cNvCxnSpPr>
+          <p:nvPr/>
+        </p:nvCxnSpPr>
+        <p:spPr>
+          <a:xfrm>
+            <a:off x="7545692" y="2344700"/>
+            <a:ext cx="509451" cy="0"/>
+          </a:xfrm>
+          <a:prstGeom prst="straightConnector1">
+            <a:avLst/>
+          </a:prstGeom>
+          <a:ln w="60325">
+            <a:solidFill>
+              <a:schemeClr val="tx1"/>
+            </a:solidFill>
+            <a:tailEnd type="triangle"/>
+          </a:ln>
+          <a:effectLst>
+            <a:glow rad="127000">
+              <a:schemeClr val="accent6">
+                <a:lumMod val="60000"/>
+                <a:lumOff val="40000"/>
+              </a:schemeClr>
+            </a:glow>
+          </a:effectLst>
+        </p:spPr>
+        <p:style>
+          <a:lnRef idx="1">
+            <a:schemeClr val="dk1"/>
+          </a:lnRef>
+          <a:fillRef idx="0">
+            <a:schemeClr val="dk1"/>
+          </a:fillRef>
+          <a:effectRef idx="0">
+            <a:schemeClr val="dk1"/>
+          </a:effectRef>
+          <a:fontRef idx="minor">
+            <a:schemeClr val="tx1"/>
+          </a:fontRef>
+        </p:style>
+      </p:cxnSp>
+      <mc:AlternateContent xmlns:mc="http://schemas.openxmlformats.org/markup-compatibility/2006" xmlns:a14="http://schemas.microsoft.com/office/drawing/2010/main">
+        <mc:Choice Requires="a14">
+          <p:sp>
+            <p:nvSpPr>
+              <p:cNvPr id="11" name="TextBox 10">
+                <a:extLst>
+                  <a:ext uri="{FF2B5EF4-FFF2-40B4-BE49-F238E27FC236}">
+                    <a16:creationId xmlns:a16="http://schemas.microsoft.com/office/drawing/2014/main" id="{3D78850B-EC68-7580-BA8B-C456D7A7034B}"/>
+                  </a:ext>
+                </a:extLst>
+              </p:cNvPr>
+              <p:cNvSpPr txBox="1"/>
+              <p:nvPr/>
+            </p:nvSpPr>
+            <p:spPr>
+              <a:xfrm>
+                <a:off x="7621508" y="1749135"/>
+                <a:ext cx="283411" cy="430887"/>
+              </a:xfrm>
+              <a:prstGeom prst="rect">
+                <a:avLst/>
+              </a:prstGeom>
+              <a:noFill/>
+            </p:spPr>
+            <p:txBody>
+              <a:bodyPr wrap="square" lIns="0" tIns="0" rIns="0" bIns="0" rtlCol="0">
+                <a:spAutoFit/>
+              </a:bodyPr>
+              <a:lstStyle/>
+              <a:p>
+                <a:pPr/>
+                <a14:m>
+                  <m:oMathPara xmlns:m="http://schemas.openxmlformats.org/officeDocument/2006/math">
+                    <m:oMathParaPr>
+                      <m:jc m:val="centerGroup"/>
+                    </m:oMathParaPr>
+                    <m:oMath xmlns:m="http://schemas.openxmlformats.org/officeDocument/2006/math">
+                      <m:acc>
+                        <m:accPr>
+                          <m:chr m:val="̂"/>
+                          <m:ctrlPr>
+                            <a:rPr lang="en-US" sz="2800" b="0" i="1" smtClean="0">
+                              <a:latin typeface="Cambria Math" panose="02040503050406030204" pitchFamily="18" charset="0"/>
+                            </a:rPr>
+                          </m:ctrlPr>
+                        </m:accPr>
+                        <m:e>
+                          <m:r>
+                            <a:rPr lang="en-US" sz="2800" b="0" i="1" smtClean="0">
+                              <a:latin typeface="Cambria Math" panose="02040503050406030204" pitchFamily="18" charset="0"/>
+                            </a:rPr>
+                            <m:t>𝑒</m:t>
+                          </m:r>
+                        </m:e>
+                      </m:acc>
+                    </m:oMath>
+                  </m:oMathPara>
+                </a14:m>
+                <a:endParaRPr lang="en-US" sz="2800" dirty="0"/>
+              </a:p>
+            </p:txBody>
+          </p:sp>
+        </mc:Choice>
+        <mc:Fallback xmlns="">
+          <p:sp>
+            <p:nvSpPr>
+              <p:cNvPr id="11" name="TextBox 10">
+                <a:extLst>
+                  <a:ext uri="{FF2B5EF4-FFF2-40B4-BE49-F238E27FC236}">
+                    <a16:creationId xmlns:a16="http://schemas.microsoft.com/office/drawing/2014/main" id="{3D78850B-EC68-7580-BA8B-C456D7A7034B}"/>
+                  </a:ext>
+                </a:extLst>
+              </p:cNvPr>
+              <p:cNvSpPr txBox="1">
+                <a:spLocks noRot="1" noChangeAspect="1" noMove="1" noResize="1" noEditPoints="1" noAdjustHandles="1" noChangeArrowheads="1" noChangeShapeType="1" noTextEdit="1"/>
+              </p:cNvSpPr>
+              <p:nvPr/>
+            </p:nvSpPr>
+            <p:spPr>
+              <a:xfrm>
+                <a:off x="7621508" y="1749135"/>
+                <a:ext cx="283411" cy="430887"/>
+              </a:xfrm>
+              <a:prstGeom prst="rect">
+                <a:avLst/>
+              </a:prstGeom>
+              <a:blipFill>
+                <a:blip r:embed="rId4"/>
+                <a:stretch>
+                  <a:fillRect l="-13043" t="-17143" r="-17391"/>
+                </a:stretch>
+              </a:blipFill>
+            </p:spPr>
+            <p:txBody>
+              <a:bodyPr/>
+              <a:lstStyle/>
+              <a:p>
+                <a:r>
+                  <a:rPr lang="en-US">
+                    <a:noFill/>
+                  </a:rPr>
+                  <a:t> </a:t>
+                </a:r>
+              </a:p>
+            </p:txBody>
+          </p:sp>
+        </mc:Fallback>
+      </mc:AlternateContent>
+      <p:sp>
+        <p:nvSpPr>
+          <p:cNvPr id="12" name="TextBox 11">
+            <a:extLst>
+              <a:ext uri="{FF2B5EF4-FFF2-40B4-BE49-F238E27FC236}">
+                <a16:creationId xmlns:a16="http://schemas.microsoft.com/office/drawing/2014/main" id="{23D389EE-6EC9-0355-6DDF-D9928230F271}"/>
+              </a:ext>
+            </a:extLst>
+          </p:cNvPr>
+          <p:cNvSpPr txBox="1"/>
+          <p:nvPr/>
+        </p:nvSpPr>
+        <p:spPr>
+          <a:xfrm>
+            <a:off x="5511500" y="1385346"/>
+            <a:ext cx="1763486" cy="923330"/>
+          </a:xfrm>
+          <a:prstGeom prst="rect">
+            <a:avLst/>
+          </a:prstGeom>
+          <a:noFill/>
+        </p:spPr>
+        <p:txBody>
+          <a:bodyPr wrap="square" rtlCol="0">
+            <a:spAutoFit/>
+          </a:bodyPr>
+          <a:lstStyle/>
+          <a:p>
+            <a:pPr algn="ctr"/>
+            <a:r>
+              <a:rPr lang="en-US" b="1" dirty="0">
+                <a:solidFill>
+                  <a:srgbClr val="FF0000"/>
+                </a:solidFill>
+              </a:rPr>
+              <a:t>Molecular displacement coordinate</a:t>
+            </a:r>
+          </a:p>
+        </p:txBody>
+      </p:sp>
+    </p:spTree>
+    <p:extLst>
+      <p:ext uri="{BB962C8B-B14F-4D97-AF65-F5344CB8AC3E}">
+        <p14:creationId xmlns:p14="http://schemas.microsoft.com/office/powerpoint/2010/main" val="634410337"/>
+      </p:ext>
+    </p:extLst>
+  </p:cSld>
+  <p:clrMapOvr>
+    <a:masterClrMapping/>
+  </p:clrMapOvr>
+</p:sld>
+</file>
+
 <file path=ppt/slides/slide2.xml><?xml version="1.0" encoding="utf-8"?>
 <p:sld xmlns:a="http://schemas.openxmlformats.org/drawingml/2006/main" xmlns:r="http://schemas.openxmlformats.org/officeDocument/2006/relationships" xmlns:p="http://schemas.openxmlformats.org/presentationml/2006/main">
   <p:cSld>
@@ -4584,6 +5043,1199 @@
 </file>
 
 <file path=ppt/slides/slide3.xml><?xml version="1.0" encoding="utf-8"?>
+<p:sld xmlns:a="http://schemas.openxmlformats.org/drawingml/2006/main" xmlns:r="http://schemas.openxmlformats.org/officeDocument/2006/relationships" xmlns:p="http://schemas.openxmlformats.org/presentationml/2006/main">
+  <p:cSld>
+    <p:spTree>
+      <p:nvGrpSpPr>
+        <p:cNvPr id="1" name=""/>
+        <p:cNvGrpSpPr/>
+        <p:nvPr/>
+      </p:nvGrpSpPr>
+      <p:grpSpPr>
+        <a:xfrm>
+          <a:off x="0" y="0"/>
+          <a:ext cx="0" cy="0"/>
+          <a:chOff x="0" y="0"/>
+          <a:chExt cx="0" cy="0"/>
+        </a:xfrm>
+      </p:grpSpPr>
+      <p:pic>
+        <p:nvPicPr>
+          <p:cNvPr id="4" name="Picture 3">
+            <a:extLst>
+              <a:ext uri="{FF2B5EF4-FFF2-40B4-BE49-F238E27FC236}">
+                <a16:creationId xmlns:a16="http://schemas.microsoft.com/office/drawing/2014/main" id="{A8E84E27-1E14-0EE3-B676-7AA805D5BAB0}"/>
+              </a:ext>
+            </a:extLst>
+          </p:cNvPr>
+          <p:cNvPicPr>
+            <a:picLocks noChangeAspect="1"/>
+          </p:cNvPicPr>
+          <p:nvPr/>
+        </p:nvPicPr>
+        <p:blipFill>
+          <a:blip r:embed="rId2"/>
+          <a:stretch>
+            <a:fillRect/>
+          </a:stretch>
+        </p:blipFill>
+        <p:spPr>
+          <a:xfrm>
+            <a:off x="4069254" y="3616769"/>
+            <a:ext cx="1270000" cy="635000"/>
+          </a:xfrm>
+          <a:prstGeom prst="rect">
+            <a:avLst/>
+          </a:prstGeom>
+        </p:spPr>
+      </p:pic>
+      <p:cxnSp>
+        <p:nvCxnSpPr>
+          <p:cNvPr id="5" name="Straight Arrow Connector 4">
+            <a:extLst>
+              <a:ext uri="{FF2B5EF4-FFF2-40B4-BE49-F238E27FC236}">
+                <a16:creationId xmlns:a16="http://schemas.microsoft.com/office/drawing/2014/main" id="{5586F5C9-29D8-FAA6-F0F8-592CEB6D72EB}"/>
+              </a:ext>
+            </a:extLst>
+          </p:cNvPr>
+          <p:cNvCxnSpPr>
+            <a:cxnSpLocks/>
+          </p:cNvCxnSpPr>
+          <p:nvPr/>
+        </p:nvCxnSpPr>
+        <p:spPr>
+          <a:xfrm>
+            <a:off x="5421086" y="3922040"/>
+            <a:ext cx="2155371" cy="0"/>
+          </a:xfrm>
+          <a:prstGeom prst="straightConnector1">
+            <a:avLst/>
+          </a:prstGeom>
+          <a:ln w="60325">
+            <a:solidFill>
+              <a:srgbClr val="FF0000"/>
+            </a:solidFill>
+            <a:prstDash val="sysDot"/>
+            <a:tailEnd type="triangle"/>
+          </a:ln>
+        </p:spPr>
+        <p:style>
+          <a:lnRef idx="1">
+            <a:schemeClr val="dk1"/>
+          </a:lnRef>
+          <a:fillRef idx="0">
+            <a:schemeClr val="dk1"/>
+          </a:fillRef>
+          <a:effectRef idx="0">
+            <a:schemeClr val="dk1"/>
+          </a:effectRef>
+          <a:fontRef idx="minor">
+            <a:schemeClr val="tx1"/>
+          </a:fontRef>
+        </p:style>
+      </p:cxnSp>
+      <p:sp>
+        <p:nvSpPr>
+          <p:cNvPr id="6" name="Can 5">
+            <a:extLst>
+              <a:ext uri="{FF2B5EF4-FFF2-40B4-BE49-F238E27FC236}">
+                <a16:creationId xmlns:a16="http://schemas.microsoft.com/office/drawing/2014/main" id="{00FE7832-C075-724E-2C5E-8A0D646D0694}"/>
+              </a:ext>
+            </a:extLst>
+          </p:cNvPr>
+          <p:cNvSpPr/>
+          <p:nvPr/>
+        </p:nvSpPr>
+        <p:spPr>
+          <a:xfrm>
+            <a:off x="4611755" y="4890053"/>
+            <a:ext cx="3630907" cy="447260"/>
+          </a:xfrm>
+          <a:prstGeom prst="can">
+            <a:avLst>
+              <a:gd name="adj" fmla="val 50000"/>
+            </a:avLst>
+          </a:prstGeom>
+          <a:solidFill>
+            <a:schemeClr val="tx1">
+              <a:lumMod val="50000"/>
+              <a:lumOff val="50000"/>
+            </a:schemeClr>
+          </a:solidFill>
+          <a:ln>
+            <a:solidFill>
+              <a:schemeClr val="bg2">
+                <a:lumMod val="90000"/>
+              </a:schemeClr>
+            </a:solidFill>
+          </a:ln>
+        </p:spPr>
+        <p:style>
+          <a:lnRef idx="2">
+            <a:schemeClr val="accent1">
+              <a:shade val="15000"/>
+            </a:schemeClr>
+          </a:lnRef>
+          <a:fillRef idx="1">
+            <a:schemeClr val="accent1"/>
+          </a:fillRef>
+          <a:effectRef idx="0">
+            <a:schemeClr val="accent1"/>
+          </a:effectRef>
+          <a:fontRef idx="minor">
+            <a:schemeClr val="lt1"/>
+          </a:fontRef>
+        </p:style>
+        <p:txBody>
+          <a:bodyPr rtlCol="0" anchor="ctr"/>
+          <a:lstStyle/>
+          <a:p>
+            <a:pPr algn="ctr"/>
+            <a:endParaRPr lang="en-US"/>
+          </a:p>
+        </p:txBody>
+      </p:sp>
+      <p:sp>
+        <p:nvSpPr>
+          <p:cNvPr id="7" name="Can 6">
+            <a:extLst>
+              <a:ext uri="{FF2B5EF4-FFF2-40B4-BE49-F238E27FC236}">
+                <a16:creationId xmlns:a16="http://schemas.microsoft.com/office/drawing/2014/main" id="{37C2BFF4-3EDE-DC5F-E470-7670C477B933}"/>
+              </a:ext>
+            </a:extLst>
+          </p:cNvPr>
+          <p:cNvSpPr/>
+          <p:nvPr/>
+        </p:nvSpPr>
+        <p:spPr>
+          <a:xfrm>
+            <a:off x="4611755" y="2499692"/>
+            <a:ext cx="3539467" cy="447260"/>
+          </a:xfrm>
+          <a:prstGeom prst="can">
+            <a:avLst>
+              <a:gd name="adj" fmla="val 50000"/>
+            </a:avLst>
+          </a:prstGeom>
+          <a:solidFill>
+            <a:schemeClr val="tx1">
+              <a:lumMod val="50000"/>
+              <a:lumOff val="50000"/>
+            </a:schemeClr>
+          </a:solidFill>
+          <a:ln>
+            <a:solidFill>
+              <a:schemeClr val="bg2">
+                <a:lumMod val="90000"/>
+              </a:schemeClr>
+            </a:solidFill>
+          </a:ln>
+        </p:spPr>
+        <p:style>
+          <a:lnRef idx="2">
+            <a:schemeClr val="accent1">
+              <a:shade val="15000"/>
+            </a:schemeClr>
+          </a:lnRef>
+          <a:fillRef idx="1">
+            <a:schemeClr val="accent1"/>
+          </a:fillRef>
+          <a:effectRef idx="0">
+            <a:schemeClr val="accent1"/>
+          </a:effectRef>
+          <a:fontRef idx="minor">
+            <a:schemeClr val="lt1"/>
+          </a:fontRef>
+        </p:style>
+        <p:txBody>
+          <a:bodyPr rtlCol="0" anchor="ctr"/>
+          <a:lstStyle/>
+          <a:p>
+            <a:pPr algn="ctr"/>
+            <a:endParaRPr lang="en-US"/>
+          </a:p>
+        </p:txBody>
+      </p:sp>
+      <p:pic>
+        <p:nvPicPr>
+          <p:cNvPr id="9" name="Picture 8">
+            <a:extLst>
+              <a:ext uri="{FF2B5EF4-FFF2-40B4-BE49-F238E27FC236}">
+                <a16:creationId xmlns:a16="http://schemas.microsoft.com/office/drawing/2014/main" id="{084FFE8C-98EB-783A-F27A-9E31E8244130}"/>
+              </a:ext>
+            </a:extLst>
+          </p:cNvPr>
+          <p:cNvPicPr>
+            <a:picLocks noChangeAspect="1"/>
+          </p:cNvPicPr>
+          <p:nvPr/>
+        </p:nvPicPr>
+        <p:blipFill>
+          <a:blip r:embed="rId3"/>
+          <a:stretch>
+            <a:fillRect/>
+          </a:stretch>
+        </p:blipFill>
+        <p:spPr>
+          <a:xfrm>
+            <a:off x="3480856" y="4249141"/>
+            <a:ext cx="876876" cy="1088172"/>
+          </a:xfrm>
+          <a:prstGeom prst="rect">
+            <a:avLst/>
+          </a:prstGeom>
+        </p:spPr>
+      </p:pic>
+      <p:cxnSp>
+        <p:nvCxnSpPr>
+          <p:cNvPr id="10" name="Straight Arrow Connector 9">
+            <a:extLst>
+              <a:ext uri="{FF2B5EF4-FFF2-40B4-BE49-F238E27FC236}">
+                <a16:creationId xmlns:a16="http://schemas.microsoft.com/office/drawing/2014/main" id="{5327C554-40A4-5CF5-778B-7FB8C698290E}"/>
+              </a:ext>
+            </a:extLst>
+          </p:cNvPr>
+          <p:cNvCxnSpPr>
+            <a:cxnSpLocks/>
+          </p:cNvCxnSpPr>
+          <p:nvPr/>
+        </p:nvCxnSpPr>
+        <p:spPr>
+          <a:xfrm>
+            <a:off x="7831181" y="3922040"/>
+            <a:ext cx="509451" cy="0"/>
+          </a:xfrm>
+          <a:prstGeom prst="straightConnector1">
+            <a:avLst/>
+          </a:prstGeom>
+          <a:ln w="60325">
+            <a:solidFill>
+              <a:schemeClr val="tx1"/>
+            </a:solidFill>
+            <a:tailEnd type="triangle"/>
+          </a:ln>
+          <a:effectLst>
+            <a:glow rad="127000">
+              <a:schemeClr val="accent6">
+                <a:lumMod val="60000"/>
+                <a:lumOff val="40000"/>
+              </a:schemeClr>
+            </a:glow>
+          </a:effectLst>
+        </p:spPr>
+        <p:style>
+          <a:lnRef idx="1">
+            <a:schemeClr val="dk1"/>
+          </a:lnRef>
+          <a:fillRef idx="0">
+            <a:schemeClr val="dk1"/>
+          </a:fillRef>
+          <a:effectRef idx="0">
+            <a:schemeClr val="dk1"/>
+          </a:effectRef>
+          <a:fontRef idx="minor">
+            <a:schemeClr val="tx1"/>
+          </a:fontRef>
+        </p:style>
+      </p:cxnSp>
+      <mc:AlternateContent xmlns:mc="http://schemas.openxmlformats.org/markup-compatibility/2006">
+        <mc:Choice xmlns:a14="http://schemas.microsoft.com/office/drawing/2010/main" Requires="a14">
+          <p:sp>
+            <p:nvSpPr>
+              <p:cNvPr id="11" name="TextBox 10">
+                <a:extLst>
+                  <a:ext uri="{FF2B5EF4-FFF2-40B4-BE49-F238E27FC236}">
+                    <a16:creationId xmlns:a16="http://schemas.microsoft.com/office/drawing/2014/main" id="{6E23FB95-0774-6A66-58FA-F758148D6A9D}"/>
+                  </a:ext>
+                </a:extLst>
+              </p:cNvPr>
+              <p:cNvSpPr txBox="1"/>
+              <p:nvPr/>
+            </p:nvSpPr>
+            <p:spPr>
+              <a:xfrm>
+                <a:off x="7906997" y="3326475"/>
+                <a:ext cx="283411" cy="430887"/>
+              </a:xfrm>
+              <a:prstGeom prst="rect">
+                <a:avLst/>
+              </a:prstGeom>
+              <a:noFill/>
+            </p:spPr>
+            <p:txBody>
+              <a:bodyPr wrap="square" lIns="0" tIns="0" rIns="0" bIns="0" rtlCol="0">
+                <a:spAutoFit/>
+              </a:bodyPr>
+              <a:lstStyle/>
+              <a:p>
+                <a:pPr/>
+                <a14:m>
+                  <m:oMathPara xmlns:m="http://schemas.openxmlformats.org/officeDocument/2006/math">
+                    <m:oMathParaPr>
+                      <m:jc m:val="centerGroup"/>
+                    </m:oMathParaPr>
+                    <m:oMath xmlns:m="http://schemas.openxmlformats.org/officeDocument/2006/math">
+                      <m:acc>
+                        <m:accPr>
+                          <m:chr m:val="̂"/>
+                          <m:ctrlPr>
+                            <a:rPr lang="en-US" sz="2800" b="0" i="1" smtClean="0">
+                              <a:latin typeface="Cambria Math" panose="02040503050406030204" pitchFamily="18" charset="0"/>
+                            </a:rPr>
+                          </m:ctrlPr>
+                        </m:accPr>
+                        <m:e>
+                          <m:r>
+                            <a:rPr lang="en-US" sz="2800" b="0" i="1" smtClean="0">
+                              <a:latin typeface="Cambria Math" panose="02040503050406030204" pitchFamily="18" charset="0"/>
+                            </a:rPr>
+                            <m:t>𝑒</m:t>
+                          </m:r>
+                        </m:e>
+                      </m:acc>
+                    </m:oMath>
+                  </m:oMathPara>
+                </a14:m>
+                <a:endParaRPr lang="en-US" sz="2800" dirty="0"/>
+              </a:p>
+            </p:txBody>
+          </p:sp>
+        </mc:Choice>
+        <mc:Fallback>
+          <p:sp>
+            <p:nvSpPr>
+              <p:cNvPr id="11" name="TextBox 10">
+                <a:extLst>
+                  <a:ext uri="{FF2B5EF4-FFF2-40B4-BE49-F238E27FC236}">
+                    <a16:creationId xmlns:a16="http://schemas.microsoft.com/office/drawing/2014/main" id="{6E23FB95-0774-6A66-58FA-F758148D6A9D}"/>
+                  </a:ext>
+                </a:extLst>
+              </p:cNvPr>
+              <p:cNvSpPr txBox="1">
+                <a:spLocks noRot="1" noChangeAspect="1" noMove="1" noResize="1" noEditPoints="1" noAdjustHandles="1" noChangeArrowheads="1" noChangeShapeType="1" noTextEdit="1"/>
+              </p:cNvSpPr>
+              <p:nvPr/>
+            </p:nvSpPr>
+            <p:spPr>
+              <a:xfrm>
+                <a:off x="7906997" y="3326475"/>
+                <a:ext cx="283411" cy="430887"/>
+              </a:xfrm>
+              <a:prstGeom prst="rect">
+                <a:avLst/>
+              </a:prstGeom>
+              <a:blipFill>
+                <a:blip r:embed="rId4"/>
+                <a:stretch>
+                  <a:fillRect l="-12500" t="-20588" r="-16667"/>
+                </a:stretch>
+              </a:blipFill>
+            </p:spPr>
+            <p:txBody>
+              <a:bodyPr/>
+              <a:lstStyle/>
+              <a:p>
+                <a:r>
+                  <a:rPr lang="en-US">
+                    <a:noFill/>
+                  </a:rPr>
+                  <a:t> </a:t>
+                </a:r>
+              </a:p>
+            </p:txBody>
+          </p:sp>
+        </mc:Fallback>
+      </mc:AlternateContent>
+      <p:sp>
+        <p:nvSpPr>
+          <p:cNvPr id="12" name="TextBox 11">
+            <a:extLst>
+              <a:ext uri="{FF2B5EF4-FFF2-40B4-BE49-F238E27FC236}">
+                <a16:creationId xmlns:a16="http://schemas.microsoft.com/office/drawing/2014/main" id="{6FCBBAFB-0683-0812-F203-E10AFFDE839C}"/>
+              </a:ext>
+            </a:extLst>
+          </p:cNvPr>
+          <p:cNvSpPr txBox="1"/>
+          <p:nvPr/>
+        </p:nvSpPr>
+        <p:spPr>
+          <a:xfrm>
+            <a:off x="5796989" y="2962686"/>
+            <a:ext cx="1763486" cy="923330"/>
+          </a:xfrm>
+          <a:prstGeom prst="rect">
+            <a:avLst/>
+          </a:prstGeom>
+          <a:noFill/>
+        </p:spPr>
+        <p:txBody>
+          <a:bodyPr wrap="square" rtlCol="0">
+            <a:spAutoFit/>
+          </a:bodyPr>
+          <a:lstStyle/>
+          <a:p>
+            <a:pPr algn="ctr"/>
+            <a:r>
+              <a:rPr lang="en-US" b="1" dirty="0">
+                <a:solidFill>
+                  <a:srgbClr val="FF0000"/>
+                </a:solidFill>
+              </a:rPr>
+              <a:t>Molecular displacement coordinate</a:t>
+            </a:r>
+          </a:p>
+        </p:txBody>
+      </p:sp>
+      <mc:AlternateContent xmlns:mc="http://schemas.openxmlformats.org/markup-compatibility/2006">
+        <mc:Choice xmlns:a14="http://schemas.microsoft.com/office/drawing/2010/main" Requires="a14">
+          <p:sp>
+            <p:nvSpPr>
+              <p:cNvPr id="13" name="TextBox 12">
+                <a:extLst>
+                  <a:ext uri="{FF2B5EF4-FFF2-40B4-BE49-F238E27FC236}">
+                    <a16:creationId xmlns:a16="http://schemas.microsoft.com/office/drawing/2014/main" id="{AFE999F2-7820-CF56-E56E-2366E119DE44}"/>
+                  </a:ext>
+                </a:extLst>
+              </p:cNvPr>
+              <p:cNvSpPr txBox="1"/>
+              <p:nvPr/>
+            </p:nvSpPr>
+            <p:spPr>
+              <a:xfrm>
+                <a:off x="4776978" y="2097913"/>
+                <a:ext cx="3314048" cy="276999"/>
+              </a:xfrm>
+              <a:prstGeom prst="rect">
+                <a:avLst/>
+              </a:prstGeom>
+              <a:noFill/>
+            </p:spPr>
+            <p:txBody>
+              <a:bodyPr wrap="none" lIns="0" tIns="0" rIns="0" bIns="0" rtlCol="0">
+                <a:spAutoFit/>
+              </a:bodyPr>
+              <a:lstStyle/>
+              <a:p>
+                <a:pPr/>
+                <a14:m>
+                  <m:oMathPara xmlns:m="http://schemas.openxmlformats.org/officeDocument/2006/math">
+                    <m:oMathParaPr>
+                      <m:jc m:val="centerGroup"/>
+                    </m:oMathParaPr>
+                    <m:oMath xmlns:m="http://schemas.openxmlformats.org/officeDocument/2006/math">
+                      <m:r>
+                        <a:rPr lang="en-US" b="0" i="1" smtClean="0">
+                          <a:latin typeface="Cambria Math" panose="02040503050406030204" pitchFamily="18" charset="0"/>
+                        </a:rPr>
+                        <m:t>ℏ</m:t>
+                      </m:r>
+                      <m:r>
+                        <a:rPr lang="en-US" b="0" i="1" smtClean="0">
+                          <a:latin typeface="Cambria Math" panose="02040503050406030204" pitchFamily="18" charset="0"/>
+                        </a:rPr>
+                        <m:t>𝜔</m:t>
+                      </m:r>
+                      <m:r>
+                        <a:rPr lang="en-US" b="0" i="1" smtClean="0">
+                          <a:latin typeface="Cambria Math" panose="02040503050406030204" pitchFamily="18" charset="0"/>
+                        </a:rPr>
+                        <m:t>=3.7 </m:t>
+                      </m:r>
+                      <m:r>
+                        <a:rPr lang="en-US" b="0" i="1" smtClean="0">
+                          <a:latin typeface="Cambria Math" panose="02040503050406030204" pitchFamily="18" charset="0"/>
+                        </a:rPr>
+                        <m:t>𝑒𝑉</m:t>
+                      </m:r>
+                      <m:r>
+                        <a:rPr lang="en-US" b="0" i="1" smtClean="0">
+                          <a:latin typeface="Cambria Math" panose="02040503050406030204" pitchFamily="18" charset="0"/>
+                        </a:rPr>
+                        <m:t>, </m:t>
+                      </m:r>
+                      <m:r>
+                        <a:rPr lang="en-US" b="1" i="0" smtClean="0">
+                          <a:latin typeface="Cambria Math" panose="02040503050406030204" pitchFamily="18" charset="0"/>
+                        </a:rPr>
+                        <m:t>𝛌</m:t>
+                      </m:r>
+                      <m:r>
+                        <a:rPr lang="en-US" b="0" i="1" smtClean="0">
+                          <a:latin typeface="Cambria Math" panose="02040503050406030204" pitchFamily="18" charset="0"/>
+                        </a:rPr>
+                        <m:t>=</m:t>
+                      </m:r>
+                      <m:d>
+                        <m:dPr>
+                          <m:ctrlPr>
+                            <a:rPr lang="en-US" b="0" i="1" smtClean="0">
+                              <a:latin typeface="Cambria Math" panose="02040503050406030204" pitchFamily="18" charset="0"/>
+                            </a:rPr>
+                          </m:ctrlPr>
+                        </m:dPr>
+                        <m:e>
+                          <m:r>
+                            <a:rPr lang="en-US" b="0" i="1" smtClean="0">
+                              <a:latin typeface="Cambria Math" panose="02040503050406030204" pitchFamily="18" charset="0"/>
+                            </a:rPr>
+                            <m:t>0, 0, 0.01</m:t>
+                          </m:r>
+                        </m:e>
+                      </m:d>
+                      <m:r>
+                        <a:rPr lang="en-US" b="0" i="1" smtClean="0">
+                          <a:latin typeface="Cambria Math" panose="02040503050406030204" pitchFamily="18" charset="0"/>
+                        </a:rPr>
+                        <m:t> </m:t>
+                      </m:r>
+                      <m:r>
+                        <a:rPr lang="en-US" b="0" i="1" smtClean="0">
+                          <a:latin typeface="Cambria Math" panose="02040503050406030204" pitchFamily="18" charset="0"/>
+                        </a:rPr>
+                        <m:t>𝑎</m:t>
+                      </m:r>
+                      <m:r>
+                        <a:rPr lang="en-US" b="0" i="1" smtClean="0">
+                          <a:latin typeface="Cambria Math" panose="02040503050406030204" pitchFamily="18" charset="0"/>
+                        </a:rPr>
+                        <m:t>.</m:t>
+                      </m:r>
+                      <m:r>
+                        <a:rPr lang="en-US" b="0" i="1" smtClean="0">
+                          <a:latin typeface="Cambria Math" panose="02040503050406030204" pitchFamily="18" charset="0"/>
+                        </a:rPr>
+                        <m:t>𝑢</m:t>
+                      </m:r>
+                      <m:r>
+                        <a:rPr lang="en-US" b="0" i="1" smtClean="0">
+                          <a:latin typeface="Cambria Math" panose="02040503050406030204" pitchFamily="18" charset="0"/>
+                        </a:rPr>
+                        <m:t>.</m:t>
+                      </m:r>
+                    </m:oMath>
+                  </m:oMathPara>
+                </a14:m>
+                <a:endParaRPr lang="en-US" dirty="0"/>
+              </a:p>
+            </p:txBody>
+          </p:sp>
+        </mc:Choice>
+        <mc:Fallback>
+          <p:sp>
+            <p:nvSpPr>
+              <p:cNvPr id="13" name="TextBox 12">
+                <a:extLst>
+                  <a:ext uri="{FF2B5EF4-FFF2-40B4-BE49-F238E27FC236}">
+                    <a16:creationId xmlns:a16="http://schemas.microsoft.com/office/drawing/2014/main" id="{AFE999F2-7820-CF56-E56E-2366E119DE44}"/>
+                  </a:ext>
+                </a:extLst>
+              </p:cNvPr>
+              <p:cNvSpPr txBox="1">
+                <a:spLocks noRot="1" noChangeAspect="1" noMove="1" noResize="1" noEditPoints="1" noAdjustHandles="1" noChangeArrowheads="1" noChangeShapeType="1" noTextEdit="1"/>
+              </p:cNvSpPr>
+              <p:nvPr/>
+            </p:nvSpPr>
+            <p:spPr>
+              <a:xfrm>
+                <a:off x="4776978" y="2097913"/>
+                <a:ext cx="3314048" cy="276999"/>
+              </a:xfrm>
+              <a:prstGeom prst="rect">
+                <a:avLst/>
+              </a:prstGeom>
+              <a:blipFill>
+                <a:blip r:embed="rId5"/>
+                <a:stretch>
+                  <a:fillRect l="-1533" t="-8696" b="-34783"/>
+                </a:stretch>
+              </a:blipFill>
+            </p:spPr>
+            <p:txBody>
+              <a:bodyPr/>
+              <a:lstStyle/>
+              <a:p>
+                <a:r>
+                  <a:rPr lang="en-US">
+                    <a:noFill/>
+                  </a:rPr>
+                  <a:t> </a:t>
+                </a:r>
+              </a:p>
+            </p:txBody>
+          </p:sp>
+        </mc:Fallback>
+      </mc:AlternateContent>
+    </p:spTree>
+    <p:extLst>
+      <p:ext uri="{BB962C8B-B14F-4D97-AF65-F5344CB8AC3E}">
+        <p14:creationId xmlns:p14="http://schemas.microsoft.com/office/powerpoint/2010/main" val="2697559063"/>
+      </p:ext>
+    </p:extLst>
+  </p:cSld>
+  <p:clrMapOvr>
+    <a:masterClrMapping/>
+  </p:clrMapOvr>
+</p:sld>
+</file>
+
+<file path=ppt/slides/slide4.xml><?xml version="1.0" encoding="utf-8"?>
+<p:sld xmlns:a="http://schemas.openxmlformats.org/drawingml/2006/main" xmlns:r="http://schemas.openxmlformats.org/officeDocument/2006/relationships" xmlns:p="http://schemas.openxmlformats.org/presentationml/2006/main">
+  <p:cSld>
+    <p:spTree>
+      <p:nvGrpSpPr>
+        <p:cNvPr id="1" name="">
+          <a:extLst>
+            <a:ext uri="{FF2B5EF4-FFF2-40B4-BE49-F238E27FC236}">
+              <a16:creationId xmlns:a16="http://schemas.microsoft.com/office/drawing/2014/main" id="{3A7CE086-2370-0D2C-F5B0-5353597B5136}"/>
+            </a:ext>
+          </a:extLst>
+        </p:cNvPr>
+        <p:cNvGrpSpPr/>
+        <p:nvPr/>
+      </p:nvGrpSpPr>
+      <p:grpSpPr>
+        <a:xfrm>
+          <a:off x="0" y="0"/>
+          <a:ext cx="0" cy="0"/>
+          <a:chOff x="0" y="0"/>
+          <a:chExt cx="0" cy="0"/>
+        </a:xfrm>
+      </p:grpSpPr>
+      <p:pic>
+        <p:nvPicPr>
+          <p:cNvPr id="4" name="Picture 3">
+            <a:extLst>
+              <a:ext uri="{FF2B5EF4-FFF2-40B4-BE49-F238E27FC236}">
+                <a16:creationId xmlns:a16="http://schemas.microsoft.com/office/drawing/2014/main" id="{12CB8951-A1B3-D072-7E43-C71816D112D2}"/>
+              </a:ext>
+            </a:extLst>
+          </p:cNvPr>
+          <p:cNvPicPr>
+            <a:picLocks noChangeAspect="1"/>
+          </p:cNvPicPr>
+          <p:nvPr/>
+        </p:nvPicPr>
+        <p:blipFill>
+          <a:blip r:embed="rId2"/>
+          <a:stretch>
+            <a:fillRect/>
+          </a:stretch>
+        </p:blipFill>
+        <p:spPr>
+          <a:xfrm>
+            <a:off x="5108028" y="3265768"/>
+            <a:ext cx="2581123" cy="1290562"/>
+          </a:xfrm>
+          <a:prstGeom prst="rect">
+            <a:avLst/>
+          </a:prstGeom>
+        </p:spPr>
+      </p:pic>
+      <p:sp>
+        <p:nvSpPr>
+          <p:cNvPr id="6" name="Can 5">
+            <a:extLst>
+              <a:ext uri="{FF2B5EF4-FFF2-40B4-BE49-F238E27FC236}">
+                <a16:creationId xmlns:a16="http://schemas.microsoft.com/office/drawing/2014/main" id="{4CC16105-4516-019F-C4DB-5F52618E4BA7}"/>
+              </a:ext>
+            </a:extLst>
+          </p:cNvPr>
+          <p:cNvSpPr/>
+          <p:nvPr/>
+        </p:nvSpPr>
+        <p:spPr>
+          <a:xfrm>
+            <a:off x="4611755" y="4890053"/>
+            <a:ext cx="3630907" cy="447260"/>
+          </a:xfrm>
+          <a:prstGeom prst="can">
+            <a:avLst>
+              <a:gd name="adj" fmla="val 50000"/>
+            </a:avLst>
+          </a:prstGeom>
+          <a:solidFill>
+            <a:schemeClr val="tx1">
+              <a:lumMod val="50000"/>
+              <a:lumOff val="50000"/>
+            </a:schemeClr>
+          </a:solidFill>
+          <a:ln>
+            <a:solidFill>
+              <a:schemeClr val="bg2">
+                <a:lumMod val="90000"/>
+              </a:schemeClr>
+            </a:solidFill>
+          </a:ln>
+        </p:spPr>
+        <p:style>
+          <a:lnRef idx="2">
+            <a:schemeClr val="accent1">
+              <a:shade val="15000"/>
+            </a:schemeClr>
+          </a:lnRef>
+          <a:fillRef idx="1">
+            <a:schemeClr val="accent1"/>
+          </a:fillRef>
+          <a:effectRef idx="0">
+            <a:schemeClr val="accent1"/>
+          </a:effectRef>
+          <a:fontRef idx="minor">
+            <a:schemeClr val="lt1"/>
+          </a:fontRef>
+        </p:style>
+        <p:txBody>
+          <a:bodyPr rtlCol="0" anchor="ctr"/>
+          <a:lstStyle/>
+          <a:p>
+            <a:pPr algn="ctr"/>
+            <a:endParaRPr lang="en-US"/>
+          </a:p>
+        </p:txBody>
+      </p:sp>
+      <p:sp>
+        <p:nvSpPr>
+          <p:cNvPr id="7" name="Can 6">
+            <a:extLst>
+              <a:ext uri="{FF2B5EF4-FFF2-40B4-BE49-F238E27FC236}">
+                <a16:creationId xmlns:a16="http://schemas.microsoft.com/office/drawing/2014/main" id="{FA264A3A-12D1-75D8-3668-7DC3D5359263}"/>
+              </a:ext>
+            </a:extLst>
+          </p:cNvPr>
+          <p:cNvSpPr/>
+          <p:nvPr/>
+        </p:nvSpPr>
+        <p:spPr>
+          <a:xfrm>
+            <a:off x="4611755" y="2499692"/>
+            <a:ext cx="3539467" cy="447260"/>
+          </a:xfrm>
+          <a:prstGeom prst="can">
+            <a:avLst>
+              <a:gd name="adj" fmla="val 50000"/>
+            </a:avLst>
+          </a:prstGeom>
+          <a:solidFill>
+            <a:schemeClr val="tx1">
+              <a:lumMod val="50000"/>
+              <a:lumOff val="50000"/>
+            </a:schemeClr>
+          </a:solidFill>
+          <a:ln>
+            <a:solidFill>
+              <a:schemeClr val="bg2">
+                <a:lumMod val="90000"/>
+              </a:schemeClr>
+            </a:solidFill>
+          </a:ln>
+        </p:spPr>
+        <p:style>
+          <a:lnRef idx="2">
+            <a:schemeClr val="accent1">
+              <a:shade val="15000"/>
+            </a:schemeClr>
+          </a:lnRef>
+          <a:fillRef idx="1">
+            <a:schemeClr val="accent1"/>
+          </a:fillRef>
+          <a:effectRef idx="0">
+            <a:schemeClr val="accent1"/>
+          </a:effectRef>
+          <a:fontRef idx="minor">
+            <a:schemeClr val="lt1"/>
+          </a:fontRef>
+        </p:style>
+        <p:txBody>
+          <a:bodyPr rtlCol="0" anchor="ctr"/>
+          <a:lstStyle/>
+          <a:p>
+            <a:pPr algn="ctr"/>
+            <a:endParaRPr lang="en-US"/>
+          </a:p>
+        </p:txBody>
+      </p:sp>
+      <p:pic>
+        <p:nvPicPr>
+          <p:cNvPr id="9" name="Picture 8">
+            <a:extLst>
+              <a:ext uri="{FF2B5EF4-FFF2-40B4-BE49-F238E27FC236}">
+                <a16:creationId xmlns:a16="http://schemas.microsoft.com/office/drawing/2014/main" id="{798B1803-6D34-EA73-ABBB-F690F42AA62C}"/>
+              </a:ext>
+            </a:extLst>
+          </p:cNvPr>
+          <p:cNvPicPr>
+            <a:picLocks noChangeAspect="1"/>
+          </p:cNvPicPr>
+          <p:nvPr/>
+        </p:nvPicPr>
+        <p:blipFill>
+          <a:blip r:embed="rId3"/>
+          <a:stretch>
+            <a:fillRect/>
+          </a:stretch>
+        </p:blipFill>
+        <p:spPr>
+          <a:xfrm>
+            <a:off x="3480856" y="4249141"/>
+            <a:ext cx="876876" cy="1088172"/>
+          </a:xfrm>
+          <a:prstGeom prst="rect">
+            <a:avLst/>
+          </a:prstGeom>
+        </p:spPr>
+      </p:pic>
+      <p:cxnSp>
+        <p:nvCxnSpPr>
+          <p:cNvPr id="10" name="Straight Arrow Connector 9">
+            <a:extLst>
+              <a:ext uri="{FF2B5EF4-FFF2-40B4-BE49-F238E27FC236}">
+                <a16:creationId xmlns:a16="http://schemas.microsoft.com/office/drawing/2014/main" id="{E427C391-6094-AE5B-8591-A89344A95533}"/>
+              </a:ext>
+            </a:extLst>
+          </p:cNvPr>
+          <p:cNvCxnSpPr>
+            <a:cxnSpLocks/>
+          </p:cNvCxnSpPr>
+          <p:nvPr/>
+        </p:nvCxnSpPr>
+        <p:spPr>
+          <a:xfrm>
+            <a:off x="7831181" y="3922040"/>
+            <a:ext cx="509451" cy="0"/>
+          </a:xfrm>
+          <a:prstGeom prst="straightConnector1">
+            <a:avLst/>
+          </a:prstGeom>
+          <a:ln w="60325">
+            <a:solidFill>
+              <a:schemeClr val="tx1"/>
+            </a:solidFill>
+            <a:tailEnd type="triangle"/>
+          </a:ln>
+          <a:effectLst>
+            <a:glow rad="127000">
+              <a:schemeClr val="accent6">
+                <a:lumMod val="60000"/>
+                <a:lumOff val="40000"/>
+              </a:schemeClr>
+            </a:glow>
+          </a:effectLst>
+        </p:spPr>
+        <p:style>
+          <a:lnRef idx="1">
+            <a:schemeClr val="dk1"/>
+          </a:lnRef>
+          <a:fillRef idx="0">
+            <a:schemeClr val="dk1"/>
+          </a:fillRef>
+          <a:effectRef idx="0">
+            <a:schemeClr val="dk1"/>
+          </a:effectRef>
+          <a:fontRef idx="minor">
+            <a:schemeClr val="tx1"/>
+          </a:fontRef>
+        </p:style>
+      </p:cxnSp>
+      <mc:AlternateContent xmlns:mc="http://schemas.openxmlformats.org/markup-compatibility/2006">
+        <mc:Choice xmlns:a14="http://schemas.microsoft.com/office/drawing/2010/main" Requires="a14">
+          <p:sp>
+            <p:nvSpPr>
+              <p:cNvPr id="11" name="TextBox 10">
+                <a:extLst>
+                  <a:ext uri="{FF2B5EF4-FFF2-40B4-BE49-F238E27FC236}">
+                    <a16:creationId xmlns:a16="http://schemas.microsoft.com/office/drawing/2014/main" id="{D724569D-03AA-C847-DCCB-06FB979B5FCF}"/>
+                  </a:ext>
+                </a:extLst>
+              </p:cNvPr>
+              <p:cNvSpPr txBox="1"/>
+              <p:nvPr/>
+            </p:nvSpPr>
+            <p:spPr>
+              <a:xfrm>
+                <a:off x="7906997" y="3326475"/>
+                <a:ext cx="283411" cy="430887"/>
+              </a:xfrm>
+              <a:prstGeom prst="rect">
+                <a:avLst/>
+              </a:prstGeom>
+              <a:noFill/>
+            </p:spPr>
+            <p:txBody>
+              <a:bodyPr wrap="square" lIns="0" tIns="0" rIns="0" bIns="0" rtlCol="0">
+                <a:spAutoFit/>
+              </a:bodyPr>
+              <a:lstStyle/>
+              <a:p>
+                <a:pPr/>
+                <a14:m>
+                  <m:oMathPara xmlns:m="http://schemas.openxmlformats.org/officeDocument/2006/math">
+                    <m:oMathParaPr>
+                      <m:jc m:val="centerGroup"/>
+                    </m:oMathParaPr>
+                    <m:oMath xmlns:m="http://schemas.openxmlformats.org/officeDocument/2006/math">
+                      <m:acc>
+                        <m:accPr>
+                          <m:chr m:val="̂"/>
+                          <m:ctrlPr>
+                            <a:rPr lang="en-US" sz="2800" b="0" i="1" smtClean="0">
+                              <a:latin typeface="Cambria Math" panose="02040503050406030204" pitchFamily="18" charset="0"/>
+                            </a:rPr>
+                          </m:ctrlPr>
+                        </m:accPr>
+                        <m:e>
+                          <m:r>
+                            <a:rPr lang="en-US" sz="2800" b="0" i="1" smtClean="0">
+                              <a:latin typeface="Cambria Math" panose="02040503050406030204" pitchFamily="18" charset="0"/>
+                            </a:rPr>
+                            <m:t>𝑒</m:t>
+                          </m:r>
+                        </m:e>
+                      </m:acc>
+                    </m:oMath>
+                  </m:oMathPara>
+                </a14:m>
+                <a:endParaRPr lang="en-US" sz="2800" dirty="0"/>
+              </a:p>
+            </p:txBody>
+          </p:sp>
+        </mc:Choice>
+        <mc:Fallback>
+          <p:sp>
+            <p:nvSpPr>
+              <p:cNvPr id="11" name="TextBox 10">
+                <a:extLst>
+                  <a:ext uri="{FF2B5EF4-FFF2-40B4-BE49-F238E27FC236}">
+                    <a16:creationId xmlns:a16="http://schemas.microsoft.com/office/drawing/2014/main" id="{D724569D-03AA-C847-DCCB-06FB979B5FCF}"/>
+                  </a:ext>
+                </a:extLst>
+              </p:cNvPr>
+              <p:cNvSpPr txBox="1">
+                <a:spLocks noRot="1" noChangeAspect="1" noMove="1" noResize="1" noEditPoints="1" noAdjustHandles="1" noChangeArrowheads="1" noChangeShapeType="1" noTextEdit="1"/>
+              </p:cNvSpPr>
+              <p:nvPr/>
+            </p:nvSpPr>
+            <p:spPr>
+              <a:xfrm>
+                <a:off x="7906997" y="3326475"/>
+                <a:ext cx="283411" cy="430887"/>
+              </a:xfrm>
+              <a:prstGeom prst="rect">
+                <a:avLst/>
+              </a:prstGeom>
+              <a:blipFill>
+                <a:blip r:embed="rId4"/>
+                <a:stretch>
+                  <a:fillRect l="-12500" t="-20588" r="-16667"/>
+                </a:stretch>
+              </a:blipFill>
+            </p:spPr>
+            <p:txBody>
+              <a:bodyPr/>
+              <a:lstStyle/>
+              <a:p>
+                <a:r>
+                  <a:rPr lang="en-US">
+                    <a:noFill/>
+                  </a:rPr>
+                  <a:t> </a:t>
+                </a:r>
+              </a:p>
+            </p:txBody>
+          </p:sp>
+        </mc:Fallback>
+      </mc:AlternateContent>
+      <mc:AlternateContent xmlns:mc="http://schemas.openxmlformats.org/markup-compatibility/2006">
+        <mc:Choice xmlns:a14="http://schemas.microsoft.com/office/drawing/2010/main" Requires="a14">
+          <p:sp>
+            <p:nvSpPr>
+              <p:cNvPr id="13" name="TextBox 12">
+                <a:extLst>
+                  <a:ext uri="{FF2B5EF4-FFF2-40B4-BE49-F238E27FC236}">
+                    <a16:creationId xmlns:a16="http://schemas.microsoft.com/office/drawing/2014/main" id="{3FF71547-B582-024A-7AE9-B8401149F830}"/>
+                  </a:ext>
+                </a:extLst>
+              </p:cNvPr>
+              <p:cNvSpPr txBox="1"/>
+              <p:nvPr/>
+            </p:nvSpPr>
+            <p:spPr>
+              <a:xfrm>
+                <a:off x="4776978" y="2097913"/>
+                <a:ext cx="3314048" cy="276999"/>
+              </a:xfrm>
+              <a:prstGeom prst="rect">
+                <a:avLst/>
+              </a:prstGeom>
+              <a:noFill/>
+            </p:spPr>
+            <p:txBody>
+              <a:bodyPr wrap="none" lIns="0" tIns="0" rIns="0" bIns="0" rtlCol="0">
+                <a:spAutoFit/>
+              </a:bodyPr>
+              <a:lstStyle/>
+              <a:p>
+                <a:pPr/>
+                <a14:m>
+                  <m:oMathPara xmlns:m="http://schemas.openxmlformats.org/officeDocument/2006/math">
+                    <m:oMathParaPr>
+                      <m:jc m:val="centerGroup"/>
+                    </m:oMathParaPr>
+                    <m:oMath xmlns:m="http://schemas.openxmlformats.org/officeDocument/2006/math">
+                      <m:r>
+                        <a:rPr lang="en-US" b="0" i="1" smtClean="0">
+                          <a:latin typeface="Cambria Math" panose="02040503050406030204" pitchFamily="18" charset="0"/>
+                        </a:rPr>
+                        <m:t>ℏ</m:t>
+                      </m:r>
+                      <m:r>
+                        <a:rPr lang="en-US" b="0" i="1" smtClean="0">
+                          <a:latin typeface="Cambria Math" panose="02040503050406030204" pitchFamily="18" charset="0"/>
+                        </a:rPr>
+                        <m:t>𝜔</m:t>
+                      </m:r>
+                      <m:r>
+                        <a:rPr lang="en-US" b="0" i="1" smtClean="0">
+                          <a:latin typeface="Cambria Math" panose="02040503050406030204" pitchFamily="18" charset="0"/>
+                        </a:rPr>
+                        <m:t>=3.7 </m:t>
+                      </m:r>
+                      <m:r>
+                        <a:rPr lang="en-US" b="0" i="1" smtClean="0">
+                          <a:latin typeface="Cambria Math" panose="02040503050406030204" pitchFamily="18" charset="0"/>
+                        </a:rPr>
+                        <m:t>𝑒𝑉</m:t>
+                      </m:r>
+                      <m:r>
+                        <a:rPr lang="en-US" b="0" i="1" smtClean="0">
+                          <a:latin typeface="Cambria Math" panose="02040503050406030204" pitchFamily="18" charset="0"/>
+                        </a:rPr>
+                        <m:t>, </m:t>
+                      </m:r>
+                      <m:r>
+                        <a:rPr lang="en-US" b="1" i="0" smtClean="0">
+                          <a:latin typeface="Cambria Math" panose="02040503050406030204" pitchFamily="18" charset="0"/>
+                        </a:rPr>
+                        <m:t>𝛌</m:t>
+                      </m:r>
+                      <m:r>
+                        <a:rPr lang="en-US" b="0" i="1" smtClean="0">
+                          <a:latin typeface="Cambria Math" panose="02040503050406030204" pitchFamily="18" charset="0"/>
+                        </a:rPr>
+                        <m:t>=</m:t>
+                      </m:r>
+                      <m:d>
+                        <m:dPr>
+                          <m:ctrlPr>
+                            <a:rPr lang="en-US" b="0" i="1" smtClean="0">
+                              <a:latin typeface="Cambria Math" panose="02040503050406030204" pitchFamily="18" charset="0"/>
+                            </a:rPr>
+                          </m:ctrlPr>
+                        </m:dPr>
+                        <m:e>
+                          <m:r>
+                            <a:rPr lang="en-US" b="0" i="1" smtClean="0">
+                              <a:latin typeface="Cambria Math" panose="02040503050406030204" pitchFamily="18" charset="0"/>
+                            </a:rPr>
+                            <m:t>0, 0, 0.01</m:t>
+                          </m:r>
+                        </m:e>
+                      </m:d>
+                      <m:r>
+                        <a:rPr lang="en-US" b="0" i="1" smtClean="0">
+                          <a:latin typeface="Cambria Math" panose="02040503050406030204" pitchFamily="18" charset="0"/>
+                        </a:rPr>
+                        <m:t> </m:t>
+                      </m:r>
+                      <m:r>
+                        <a:rPr lang="en-US" b="0" i="1" smtClean="0">
+                          <a:latin typeface="Cambria Math" panose="02040503050406030204" pitchFamily="18" charset="0"/>
+                        </a:rPr>
+                        <m:t>𝑎</m:t>
+                      </m:r>
+                      <m:r>
+                        <a:rPr lang="en-US" b="0" i="1" smtClean="0">
+                          <a:latin typeface="Cambria Math" panose="02040503050406030204" pitchFamily="18" charset="0"/>
+                        </a:rPr>
+                        <m:t>.</m:t>
+                      </m:r>
+                      <m:r>
+                        <a:rPr lang="en-US" b="0" i="1" smtClean="0">
+                          <a:latin typeface="Cambria Math" panose="02040503050406030204" pitchFamily="18" charset="0"/>
+                        </a:rPr>
+                        <m:t>𝑢</m:t>
+                      </m:r>
+                      <m:r>
+                        <a:rPr lang="en-US" b="0" i="1" smtClean="0">
+                          <a:latin typeface="Cambria Math" panose="02040503050406030204" pitchFamily="18" charset="0"/>
+                        </a:rPr>
+                        <m:t>.</m:t>
+                      </m:r>
+                    </m:oMath>
+                  </m:oMathPara>
+                </a14:m>
+                <a:endParaRPr lang="en-US" dirty="0"/>
+              </a:p>
+            </p:txBody>
+          </p:sp>
+        </mc:Choice>
+        <mc:Fallback>
+          <p:sp>
+            <p:nvSpPr>
+              <p:cNvPr id="13" name="TextBox 12">
+                <a:extLst>
+                  <a:ext uri="{FF2B5EF4-FFF2-40B4-BE49-F238E27FC236}">
+                    <a16:creationId xmlns:a16="http://schemas.microsoft.com/office/drawing/2014/main" id="{3FF71547-B582-024A-7AE9-B8401149F830}"/>
+                  </a:ext>
+                </a:extLst>
+              </p:cNvPr>
+              <p:cNvSpPr txBox="1">
+                <a:spLocks noRot="1" noChangeAspect="1" noMove="1" noResize="1" noEditPoints="1" noAdjustHandles="1" noChangeArrowheads="1" noChangeShapeType="1" noTextEdit="1"/>
+              </p:cNvSpPr>
+              <p:nvPr/>
+            </p:nvSpPr>
+            <p:spPr>
+              <a:xfrm>
+                <a:off x="4776978" y="2097913"/>
+                <a:ext cx="3314048" cy="276999"/>
+              </a:xfrm>
+              <a:prstGeom prst="rect">
+                <a:avLst/>
+              </a:prstGeom>
+              <a:blipFill>
+                <a:blip r:embed="rId5"/>
+                <a:stretch>
+                  <a:fillRect l="-1533" t="-8696" b="-34783"/>
+                </a:stretch>
+              </a:blipFill>
+            </p:spPr>
+            <p:txBody>
+              <a:bodyPr/>
+              <a:lstStyle/>
+              <a:p>
+                <a:r>
+                  <a:rPr lang="en-US">
+                    <a:noFill/>
+                  </a:rPr>
+                  <a:t> </a:t>
+                </a:r>
+              </a:p>
+            </p:txBody>
+          </p:sp>
+        </mc:Fallback>
+      </mc:AlternateContent>
+    </p:spTree>
+    <p:extLst>
+      <p:ext uri="{BB962C8B-B14F-4D97-AF65-F5344CB8AC3E}">
+        <p14:creationId xmlns:p14="http://schemas.microsoft.com/office/powerpoint/2010/main" val="369434403"/>
+      </p:ext>
+    </p:extLst>
+  </p:cSld>
+  <p:clrMapOvr>
+    <a:masterClrMapping/>
+  </p:clrMapOvr>
+</p:sld>
+</file>
+
+<file path=ppt/slides/slide5.xml><?xml version="1.0" encoding="utf-8"?>
 <p:sld xmlns:a="http://schemas.openxmlformats.org/drawingml/2006/main" xmlns:r="http://schemas.openxmlformats.org/officeDocument/2006/relationships" xmlns:p="http://schemas.openxmlformats.org/presentationml/2006/main">
   <p:cSld>
     <p:spTree>
@@ -5128,7 +6780,7 @@
 </p:sld>
 </file>
 
-<file path=ppt/slides/slide4.xml><?xml version="1.0" encoding="utf-8"?>
+<file path=ppt/slides/slide6.xml><?xml version="1.0" encoding="utf-8"?>
 <p:sld xmlns:a="http://schemas.openxmlformats.org/drawingml/2006/main" xmlns:r="http://schemas.openxmlformats.org/officeDocument/2006/relationships" xmlns:p="http://schemas.openxmlformats.org/presentationml/2006/main">
   <p:cSld>
     <p:spTree>
@@ -5698,7 +7350,7 @@
 </p:sld>
 </file>
 
-<file path=ppt/slides/slide5.xml><?xml version="1.0" encoding="utf-8"?>
+<file path=ppt/slides/slide7.xml><?xml version="1.0" encoding="utf-8"?>
 <p:sld xmlns:a="http://schemas.openxmlformats.org/drawingml/2006/main" xmlns:r="http://schemas.openxmlformats.org/officeDocument/2006/relationships" xmlns:p="http://schemas.openxmlformats.org/presentationml/2006/main">
   <p:cSld>
     <p:spTree>
@@ -6280,7 +7932,7 @@
 </p:sld>
 </file>
 
-<file path=ppt/slides/slide6.xml><?xml version="1.0" encoding="utf-8"?>
+<file path=ppt/slides/slide8.xml><?xml version="1.0" encoding="utf-8"?>
 <p:sld xmlns:a="http://schemas.openxmlformats.org/drawingml/2006/main" xmlns:r="http://schemas.openxmlformats.org/officeDocument/2006/relationships" xmlns:p="http://schemas.openxmlformats.org/presentationml/2006/main">
   <p:cSld>
     <p:spTree>
@@ -7289,7 +8941,7 @@
 </p:sld>
 </file>
 
-<file path=ppt/slides/slide7.xml><?xml version="1.0" encoding="utf-8"?>
+<file path=ppt/slides/slide9.xml><?xml version="1.0" encoding="utf-8"?>
 <p:sld xmlns:a="http://schemas.openxmlformats.org/drawingml/2006/main" xmlns:r="http://schemas.openxmlformats.org/officeDocument/2006/relationships" xmlns:p="http://schemas.openxmlformats.org/presentationml/2006/main">
   <p:cSld>
     <p:spTree>
@@ -7737,463 +9389,6 @@
     <p:extLst>
       <p:ext uri="{BB962C8B-B14F-4D97-AF65-F5344CB8AC3E}">
         <p14:creationId xmlns:p14="http://schemas.microsoft.com/office/powerpoint/2010/main" val="3059908530"/>
-      </p:ext>
-    </p:extLst>
-  </p:cSld>
-  <p:clrMapOvr>
-    <a:masterClrMapping/>
-  </p:clrMapOvr>
-</p:sld>
-</file>
-
-<file path=ppt/slides/slide8.xml><?xml version="1.0" encoding="utf-8"?>
-<p:sld xmlns:a="http://schemas.openxmlformats.org/drawingml/2006/main" xmlns:r="http://schemas.openxmlformats.org/officeDocument/2006/relationships" xmlns:p="http://schemas.openxmlformats.org/presentationml/2006/main">
-  <p:cSld>
-    <p:spTree>
-      <p:nvGrpSpPr>
-        <p:cNvPr id="1" name=""/>
-        <p:cNvGrpSpPr/>
-        <p:nvPr/>
-      </p:nvGrpSpPr>
-      <p:grpSpPr>
-        <a:xfrm>
-          <a:off x="0" y="0"/>
-          <a:ext cx="0" cy="0"/>
-          <a:chOff x="0" y="0"/>
-          <a:chExt cx="0" cy="0"/>
-        </a:xfrm>
-      </p:grpSpPr>
-      <p:pic>
-        <p:nvPicPr>
-          <p:cNvPr id="4" name="Picture 3">
-            <a:extLst>
-              <a:ext uri="{FF2B5EF4-FFF2-40B4-BE49-F238E27FC236}">
-                <a16:creationId xmlns:a16="http://schemas.microsoft.com/office/drawing/2014/main" id="{06764C22-8E62-8968-D498-F6629ED209BE}"/>
-              </a:ext>
-            </a:extLst>
-          </p:cNvPr>
-          <p:cNvPicPr>
-            <a:picLocks noChangeAspect="1"/>
-          </p:cNvPicPr>
-          <p:nvPr/>
-        </p:nvPicPr>
-        <p:blipFill>
-          <a:blip r:embed="rId2"/>
-          <a:stretch>
-            <a:fillRect/>
-          </a:stretch>
-        </p:blipFill>
-        <p:spPr>
-          <a:xfrm>
-            <a:off x="3935083" y="2058950"/>
-            <a:ext cx="1079500" cy="571500"/>
-          </a:xfrm>
-          <a:prstGeom prst="rect">
-            <a:avLst/>
-          </a:prstGeom>
-        </p:spPr>
-      </p:pic>
-      <p:cxnSp>
-        <p:nvCxnSpPr>
-          <p:cNvPr id="5" name="Straight Arrow Connector 4">
-            <a:extLst>
-              <a:ext uri="{FF2B5EF4-FFF2-40B4-BE49-F238E27FC236}">
-                <a16:creationId xmlns:a16="http://schemas.microsoft.com/office/drawing/2014/main" id="{C664C30B-83D9-A666-2674-7C455264CD57}"/>
-              </a:ext>
-            </a:extLst>
-          </p:cNvPr>
-          <p:cNvCxnSpPr>
-            <a:cxnSpLocks/>
-          </p:cNvCxnSpPr>
-          <p:nvPr/>
-        </p:nvCxnSpPr>
-        <p:spPr>
-          <a:xfrm>
-            <a:off x="5135597" y="2344700"/>
-            <a:ext cx="2155371" cy="0"/>
-          </a:xfrm>
-          <a:prstGeom prst="straightConnector1">
-            <a:avLst/>
-          </a:prstGeom>
-          <a:ln w="60325">
-            <a:solidFill>
-              <a:srgbClr val="FF0000"/>
-            </a:solidFill>
-            <a:prstDash val="sysDot"/>
-            <a:tailEnd type="triangle"/>
-          </a:ln>
-        </p:spPr>
-        <p:style>
-          <a:lnRef idx="1">
-            <a:schemeClr val="dk1"/>
-          </a:lnRef>
-          <a:fillRef idx="0">
-            <a:schemeClr val="dk1"/>
-          </a:fillRef>
-          <a:effectRef idx="0">
-            <a:schemeClr val="dk1"/>
-          </a:effectRef>
-          <a:fontRef idx="minor">
-            <a:schemeClr val="tx1"/>
-          </a:fontRef>
-        </p:style>
-      </p:cxnSp>
-      <p:sp>
-        <p:nvSpPr>
-          <p:cNvPr id="6" name="Can 5">
-            <a:extLst>
-              <a:ext uri="{FF2B5EF4-FFF2-40B4-BE49-F238E27FC236}">
-                <a16:creationId xmlns:a16="http://schemas.microsoft.com/office/drawing/2014/main" id="{1208401E-B8B4-1E21-6AE7-0B03CBD2151A}"/>
-              </a:ext>
-            </a:extLst>
-          </p:cNvPr>
-          <p:cNvSpPr/>
-          <p:nvPr/>
-        </p:nvSpPr>
-        <p:spPr>
-          <a:xfrm>
-            <a:off x="4326266" y="3312713"/>
-            <a:ext cx="3630907" cy="447260"/>
-          </a:xfrm>
-          <a:prstGeom prst="can">
-            <a:avLst>
-              <a:gd name="adj" fmla="val 50000"/>
-            </a:avLst>
-          </a:prstGeom>
-          <a:solidFill>
-            <a:schemeClr val="tx1">
-              <a:lumMod val="50000"/>
-              <a:lumOff val="50000"/>
-            </a:schemeClr>
-          </a:solidFill>
-          <a:ln>
-            <a:solidFill>
-              <a:schemeClr val="bg2">
-                <a:lumMod val="90000"/>
-              </a:schemeClr>
-            </a:solidFill>
-          </a:ln>
-        </p:spPr>
-        <p:style>
-          <a:lnRef idx="2">
-            <a:schemeClr val="accent1">
-              <a:shade val="15000"/>
-            </a:schemeClr>
-          </a:lnRef>
-          <a:fillRef idx="1">
-            <a:schemeClr val="accent1"/>
-          </a:fillRef>
-          <a:effectRef idx="0">
-            <a:schemeClr val="accent1"/>
-          </a:effectRef>
-          <a:fontRef idx="minor">
-            <a:schemeClr val="lt1"/>
-          </a:fontRef>
-        </p:style>
-        <p:txBody>
-          <a:bodyPr rtlCol="0" anchor="ctr"/>
-          <a:lstStyle/>
-          <a:p>
-            <a:pPr algn="ctr"/>
-            <a:endParaRPr lang="en-US"/>
-          </a:p>
-        </p:txBody>
-      </p:sp>
-      <p:sp>
-        <p:nvSpPr>
-          <p:cNvPr id="7" name="Can 6">
-            <a:extLst>
-              <a:ext uri="{FF2B5EF4-FFF2-40B4-BE49-F238E27FC236}">
-                <a16:creationId xmlns:a16="http://schemas.microsoft.com/office/drawing/2014/main" id="{EE51D767-4598-98A8-84D2-C5DD91737AE7}"/>
-              </a:ext>
-            </a:extLst>
-          </p:cNvPr>
-          <p:cNvSpPr/>
-          <p:nvPr/>
-        </p:nvSpPr>
-        <p:spPr>
-          <a:xfrm>
-            <a:off x="4326266" y="922352"/>
-            <a:ext cx="3539467" cy="447260"/>
-          </a:xfrm>
-          <a:prstGeom prst="can">
-            <a:avLst>
-              <a:gd name="adj" fmla="val 50000"/>
-            </a:avLst>
-          </a:prstGeom>
-          <a:solidFill>
-            <a:schemeClr val="tx1">
-              <a:lumMod val="50000"/>
-              <a:lumOff val="50000"/>
-            </a:schemeClr>
-          </a:solidFill>
-          <a:ln>
-            <a:solidFill>
-              <a:schemeClr val="bg2">
-                <a:lumMod val="90000"/>
-              </a:schemeClr>
-            </a:solidFill>
-          </a:ln>
-        </p:spPr>
-        <p:style>
-          <a:lnRef idx="2">
-            <a:schemeClr val="accent1">
-              <a:shade val="15000"/>
-            </a:schemeClr>
-          </a:lnRef>
-          <a:fillRef idx="1">
-            <a:schemeClr val="accent1"/>
-          </a:fillRef>
-          <a:effectRef idx="0">
-            <a:schemeClr val="accent1"/>
-          </a:effectRef>
-          <a:fontRef idx="minor">
-            <a:schemeClr val="lt1"/>
-          </a:fontRef>
-        </p:style>
-        <p:txBody>
-          <a:bodyPr rtlCol="0" anchor="ctr"/>
-          <a:lstStyle/>
-          <a:p>
-            <a:pPr algn="ctr"/>
-            <a:endParaRPr lang="en-US"/>
-          </a:p>
-        </p:txBody>
-      </p:sp>
-      <p:pic>
-        <p:nvPicPr>
-          <p:cNvPr id="9" name="Picture 8">
-            <a:extLst>
-              <a:ext uri="{FF2B5EF4-FFF2-40B4-BE49-F238E27FC236}">
-                <a16:creationId xmlns:a16="http://schemas.microsoft.com/office/drawing/2014/main" id="{BDACA6DE-FC48-0005-E22D-18C877E5DB0D}"/>
-              </a:ext>
-            </a:extLst>
-          </p:cNvPr>
-          <p:cNvPicPr>
-            <a:picLocks noChangeAspect="1"/>
-          </p:cNvPicPr>
-          <p:nvPr/>
-        </p:nvPicPr>
-        <p:blipFill>
-          <a:blip r:embed="rId3"/>
-          <a:stretch>
-            <a:fillRect/>
-          </a:stretch>
-        </p:blipFill>
-        <p:spPr>
-          <a:xfrm>
-            <a:off x="3058207" y="2626385"/>
-            <a:ext cx="876876" cy="1088172"/>
-          </a:xfrm>
-          <a:prstGeom prst="rect">
-            <a:avLst/>
-          </a:prstGeom>
-        </p:spPr>
-      </p:pic>
-      <p:cxnSp>
-        <p:nvCxnSpPr>
-          <p:cNvPr id="10" name="Straight Arrow Connector 9">
-            <a:extLst>
-              <a:ext uri="{FF2B5EF4-FFF2-40B4-BE49-F238E27FC236}">
-                <a16:creationId xmlns:a16="http://schemas.microsoft.com/office/drawing/2014/main" id="{5CBA1778-472C-BB17-9C17-09B02F3B6F09}"/>
-              </a:ext>
-            </a:extLst>
-          </p:cNvPr>
-          <p:cNvCxnSpPr>
-            <a:cxnSpLocks/>
-          </p:cNvCxnSpPr>
-          <p:nvPr/>
-        </p:nvCxnSpPr>
-        <p:spPr>
-          <a:xfrm>
-            <a:off x="7545692" y="2344700"/>
-            <a:ext cx="509451" cy="0"/>
-          </a:xfrm>
-          <a:prstGeom prst="straightConnector1">
-            <a:avLst/>
-          </a:prstGeom>
-          <a:ln w="60325">
-            <a:solidFill>
-              <a:schemeClr val="tx1"/>
-            </a:solidFill>
-            <a:tailEnd type="triangle"/>
-          </a:ln>
-          <a:effectLst>
-            <a:glow rad="127000">
-              <a:schemeClr val="accent6">
-                <a:lumMod val="60000"/>
-                <a:lumOff val="40000"/>
-              </a:schemeClr>
-            </a:glow>
-          </a:effectLst>
-        </p:spPr>
-        <p:style>
-          <a:lnRef idx="1">
-            <a:schemeClr val="dk1"/>
-          </a:lnRef>
-          <a:fillRef idx="0">
-            <a:schemeClr val="dk1"/>
-          </a:fillRef>
-          <a:effectRef idx="0">
-            <a:schemeClr val="dk1"/>
-          </a:effectRef>
-          <a:fontRef idx="minor">
-            <a:schemeClr val="tx1"/>
-          </a:fontRef>
-        </p:style>
-      </p:cxnSp>
-      <mc:AlternateContent xmlns:mc="http://schemas.openxmlformats.org/markup-compatibility/2006" xmlns:a14="http://schemas.microsoft.com/office/drawing/2010/main">
-        <mc:Choice Requires="a14">
-          <p:sp>
-            <p:nvSpPr>
-              <p:cNvPr id="11" name="TextBox 10">
-                <a:extLst>
-                  <a:ext uri="{FF2B5EF4-FFF2-40B4-BE49-F238E27FC236}">
-                    <a16:creationId xmlns:a16="http://schemas.microsoft.com/office/drawing/2014/main" id="{3D78850B-EC68-7580-BA8B-C456D7A7034B}"/>
-                  </a:ext>
-                </a:extLst>
-              </p:cNvPr>
-              <p:cNvSpPr txBox="1"/>
-              <p:nvPr/>
-            </p:nvSpPr>
-            <p:spPr>
-              <a:xfrm>
-                <a:off x="7621508" y="1749135"/>
-                <a:ext cx="283411" cy="430887"/>
-              </a:xfrm>
-              <a:prstGeom prst="rect">
-                <a:avLst/>
-              </a:prstGeom>
-              <a:noFill/>
-            </p:spPr>
-            <p:txBody>
-              <a:bodyPr wrap="square" lIns="0" tIns="0" rIns="0" bIns="0" rtlCol="0">
-                <a:spAutoFit/>
-              </a:bodyPr>
-              <a:lstStyle/>
-              <a:p>
-                <a:pPr/>
-                <a14:m>
-                  <m:oMathPara xmlns:m="http://schemas.openxmlformats.org/officeDocument/2006/math">
-                    <m:oMathParaPr>
-                      <m:jc m:val="centerGroup"/>
-                    </m:oMathParaPr>
-                    <m:oMath xmlns:m="http://schemas.openxmlformats.org/officeDocument/2006/math">
-                      <m:acc>
-                        <m:accPr>
-                          <m:chr m:val="̂"/>
-                          <m:ctrlPr>
-                            <a:rPr lang="en-US" sz="2800" b="0" i="1" smtClean="0">
-                              <a:latin typeface="Cambria Math" panose="02040503050406030204" pitchFamily="18" charset="0"/>
-                            </a:rPr>
-                          </m:ctrlPr>
-                        </m:accPr>
-                        <m:e>
-                          <m:r>
-                            <a:rPr lang="en-US" sz="2800" b="0" i="1" smtClean="0">
-                              <a:latin typeface="Cambria Math" panose="02040503050406030204" pitchFamily="18" charset="0"/>
-                            </a:rPr>
-                            <m:t>𝑒</m:t>
-                          </m:r>
-                        </m:e>
-                      </m:acc>
-                    </m:oMath>
-                  </m:oMathPara>
-                </a14:m>
-                <a:endParaRPr lang="en-US" sz="2800" dirty="0"/>
-              </a:p>
-            </p:txBody>
-          </p:sp>
-        </mc:Choice>
-        <mc:Fallback xmlns="">
-          <p:sp>
-            <p:nvSpPr>
-              <p:cNvPr id="11" name="TextBox 10">
-                <a:extLst>
-                  <a:ext uri="{FF2B5EF4-FFF2-40B4-BE49-F238E27FC236}">
-                    <a16:creationId xmlns:a16="http://schemas.microsoft.com/office/drawing/2014/main" id="{3D78850B-EC68-7580-BA8B-C456D7A7034B}"/>
-                  </a:ext>
-                </a:extLst>
-              </p:cNvPr>
-              <p:cNvSpPr txBox="1">
-                <a:spLocks noRot="1" noChangeAspect="1" noMove="1" noResize="1" noEditPoints="1" noAdjustHandles="1" noChangeArrowheads="1" noChangeShapeType="1" noTextEdit="1"/>
-              </p:cNvSpPr>
-              <p:nvPr/>
-            </p:nvSpPr>
-            <p:spPr>
-              <a:xfrm>
-                <a:off x="7621508" y="1749135"/>
-                <a:ext cx="283411" cy="430887"/>
-              </a:xfrm>
-              <a:prstGeom prst="rect">
-                <a:avLst/>
-              </a:prstGeom>
-              <a:blipFill>
-                <a:blip r:embed="rId4"/>
-                <a:stretch>
-                  <a:fillRect l="-13043" t="-17143" r="-17391"/>
-                </a:stretch>
-              </a:blipFill>
-            </p:spPr>
-            <p:txBody>
-              <a:bodyPr/>
-              <a:lstStyle/>
-              <a:p>
-                <a:r>
-                  <a:rPr lang="en-US">
-                    <a:noFill/>
-                  </a:rPr>
-                  <a:t> </a:t>
-                </a:r>
-              </a:p>
-            </p:txBody>
-          </p:sp>
-        </mc:Fallback>
-      </mc:AlternateContent>
-      <p:sp>
-        <p:nvSpPr>
-          <p:cNvPr id="12" name="TextBox 11">
-            <a:extLst>
-              <a:ext uri="{FF2B5EF4-FFF2-40B4-BE49-F238E27FC236}">
-                <a16:creationId xmlns:a16="http://schemas.microsoft.com/office/drawing/2014/main" id="{23D389EE-6EC9-0355-6DDF-D9928230F271}"/>
-              </a:ext>
-            </a:extLst>
-          </p:cNvPr>
-          <p:cNvSpPr txBox="1"/>
-          <p:nvPr/>
-        </p:nvSpPr>
-        <p:spPr>
-          <a:xfrm>
-            <a:off x="5511500" y="1385346"/>
-            <a:ext cx="1763486" cy="923330"/>
-          </a:xfrm>
-          <a:prstGeom prst="rect">
-            <a:avLst/>
-          </a:prstGeom>
-          <a:noFill/>
-        </p:spPr>
-        <p:txBody>
-          <a:bodyPr wrap="square" rtlCol="0">
-            <a:spAutoFit/>
-          </a:bodyPr>
-          <a:lstStyle/>
-          <a:p>
-            <a:pPr algn="ctr"/>
-            <a:r>
-              <a:rPr lang="en-US" b="1" dirty="0">
-                <a:solidFill>
-                  <a:srgbClr val="FF0000"/>
-                </a:solidFill>
-              </a:rPr>
-              <a:t>Molecular displacement coordinate</a:t>
-            </a:r>
-          </a:p>
-        </p:txBody>
-      </p:sp>
-    </p:spTree>
-    <p:extLst>
-      <p:ext uri="{BB962C8B-B14F-4D97-AF65-F5344CB8AC3E}">
-        <p14:creationId xmlns:p14="http://schemas.microsoft.com/office/powerpoint/2010/main" val="634410337"/>
       </p:ext>
     </p:extLst>
   </p:cSld>
